--- a/Naan mudhalvan.pptx
+++ b/Naan mudhalvan.pptx
@@ -260,7 +260,7 @@
           <a:p>
             <a:fld id="{F8A4A777-A3E2-43E5-9116-27F8F93BE093}" type="datetimeFigureOut">
               <a:rPr lang="en-US" smtClean="0"/>
-              <a:t>9/22/2023</a:t>
+              <a:t>11/17/2023</a:t>
             </a:fld>
             <a:endParaRPr lang="en-US"/>
           </a:p>
@@ -713,7 +713,7 @@
             <a:fld id="{C16525B2-4347-4F72-BAF7-76B19438D329}" type="datetimeFigureOut">
               <a:rPr lang="en-US" smtClean="0"/>
               <a:pPr/>
-              <a:t>9/22/2023</a:t>
+              <a:t>11/17/2023</a:t>
             </a:fld>
             <a:endParaRPr lang="en-US"/>
           </a:p>
@@ -938,7 +938,7 @@
             <a:fld id="{1D8BD707-D9CF-40AE-B4C6-C98DA3205C09}" type="datetimeFigureOut">
               <a:rPr lang="en-US"/>
               <a:pPr/>
-              <a:t>9/22/2023</a:t>
+              <a:t>11/17/2023</a:t>
             </a:fld>
             <a:endParaRPr lang="en-US"/>
           </a:p>
@@ -1256,8 +1256,25 @@
                 <a:latin typeface="CFJCTS+PublicSans-Bold"/>
                 <a:cs typeface="CFJCTS+PublicSans-Bold"/>
               </a:rPr>
-              <a:t>Task - 1</a:t>
-            </a:r>
+              <a:t>Task - </a:t>
+            </a:r>
+            <a:r>
+              <a:rPr lang="en-US" sz="2400" b="1" dirty="0">
+                <a:solidFill>
+                  <a:srgbClr val="223669"/>
+                </a:solidFill>
+                <a:latin typeface="CFJCTS+PublicSans-Bold"/>
+                <a:cs typeface="CFJCTS+PublicSans-Bold"/>
+              </a:rPr>
+              <a:t>1</a:t>
+            </a:r>
+            <a:endParaRPr sz="2400" b="1" dirty="0">
+              <a:solidFill>
+                <a:srgbClr val="223669"/>
+              </a:solidFill>
+              <a:latin typeface="CFJCTS+PublicSans-Bold"/>
+              <a:cs typeface="CFJCTS+PublicSans-Bold"/>
+            </a:endParaRPr>
           </a:p>
         </p:txBody>
       </p:sp>
@@ -3267,7 +3284,7 @@
         <p:spPr>
           <a:xfrm>
             <a:off x="3959679" y="2270922"/>
-            <a:ext cx="2841053" cy="396455"/>
+            <a:ext cx="2841053" cy="393377"/>
           </a:xfrm>
           <a:prstGeom prst="rect">
             <a:avLst/>
@@ -3291,14 +3308,14 @@
               </a:spcAft>
             </a:pPr>
             <a:r>
-              <a:rPr lang="en-GB" sz="1200" b="1" dirty="0">
+              <a:rPr lang="en-US" sz="1200" b="1" dirty="0">
                 <a:solidFill>
                   <a:srgbClr val="BD8738"/>
                 </a:solidFill>
                 <a:latin typeface="RMKPBC+PublicSans-BoldItalic"/>
                 <a:cs typeface="RMKPBC+PublicSans-BoldItalic"/>
               </a:rPr>
-              <a:t>https://github.com/Duraipandicse13/NM-SPCET-CSE-GROUP6/upload/main</a:t>
+              <a:t>https://github.com/mahendran121/NM-SPCET-CSE-GROUP06</a:t>
             </a:r>
             <a:endParaRPr sz="1200" b="1" dirty="0">
               <a:solidFill>
